--- a/features/steps/test_files/sp-fill.pptx
+++ b/features/steps/test_files/sp-fill.pptx
@@ -3179,6 +3179,62 @@
               <a:t>autoshape with solid RGB fill</a:t>
             </a:r>
             <a:endParaRPr lang="en-US" sz="1200" dirty="0"/>
+          </a:p>
+        </p:txBody>
+      </p:sp>
+      <p:sp>
+        <p:nvSpPr>
+          <p:cNvPr id="7" name="Rounded Rectangle 6"/>
+          <p:cNvSpPr/>
+          <p:nvPr/>
+        </p:nvSpPr>
+        <p:spPr>
+          <a:xfrm>
+            <a:off x="4114800" y="457200"/>
+            <a:ext cx="1368245" cy="914400"/>
+          </a:xfrm>
+          <a:prstGeom prst="roundRect">
+            <a:avLst/>
+          </a:prstGeom>
+          <a:blipFill rotWithShape="1">
+            <a:blip r:embed="rId2">
+              <a:alphaModFix amt="47000"/>
+            </a:blip>
+            <a:tile tx="0" ty="0" sx="100000" sy="100000" flip="none" algn="tl"/>
+          </a:blipFill>
+        </p:spPr>
+        <p:style>
+          <a:lnRef idx="1">
+            <a:schemeClr val="accent1"/>
+          </a:lnRef>
+          <a:fillRef idx="3">
+            <a:schemeClr val="accent1"/>
+          </a:fillRef>
+          <a:effectRef idx="2">
+            <a:schemeClr val="accent1"/>
+          </a:effectRef>
+          <a:fontRef idx="minor">
+            <a:schemeClr val="lt1"/>
+          </a:fontRef>
+        </p:style>
+        <p:txBody>
+          <a:bodyPr rtlCol="0" anchor="ctr"/>
+          <a:lstStyle/>
+          <a:p>
+            <a:pPr algn="ctr"/>
+            <a:r>
+              <a:rPr lang="en-US" sz="1200" dirty="0" smtClean="0">
+                <a:solidFill>
+                  <a:schemeClr val="tx2"/>
+                </a:solidFill>
+              </a:rPr>
+              <a:t>autoshape with blip fill</a:t>
+            </a:r>
+            <a:endParaRPr lang="en-US" sz="1200" dirty="0">
+              <a:solidFill>
+                <a:schemeClr val="tx2"/>
+              </a:solidFill>
+            </a:endParaRPr>
           </a:p>
         </p:txBody>
       </p:sp>
